--- a/Chapter7/Figures/Fig2.pptx
+++ b/Chapter7/Figures/Fig2.pptx
@@ -288,7 +288,7 @@
           <a:p>
             <a:fld id="{4D792E19-0BEC-4B8D-B7D3-C8ECEB03A1A5}" type="datetimeFigureOut">
               <a:rPr lang="en-GB" smtClean="0"/>
-              <a:t>03/06/2014</a:t>
+              <a:t>30/06/2014</a:t>
             </a:fld>
             <a:endParaRPr lang="en-GB"/>
           </a:p>
@@ -458,7 +458,7 @@
           <a:p>
             <a:fld id="{4D792E19-0BEC-4B8D-B7D3-C8ECEB03A1A5}" type="datetimeFigureOut">
               <a:rPr lang="en-GB" smtClean="0"/>
-              <a:t>03/06/2014</a:t>
+              <a:t>30/06/2014</a:t>
             </a:fld>
             <a:endParaRPr lang="en-GB"/>
           </a:p>
@@ -638,7 +638,7 @@
           <a:p>
             <a:fld id="{4D792E19-0BEC-4B8D-B7D3-C8ECEB03A1A5}" type="datetimeFigureOut">
               <a:rPr lang="en-GB" smtClean="0"/>
-              <a:t>03/06/2014</a:t>
+              <a:t>30/06/2014</a:t>
             </a:fld>
             <a:endParaRPr lang="en-GB"/>
           </a:p>
@@ -808,7 +808,7 @@
           <a:p>
             <a:fld id="{4D792E19-0BEC-4B8D-B7D3-C8ECEB03A1A5}" type="datetimeFigureOut">
               <a:rPr lang="en-GB" smtClean="0"/>
-              <a:t>03/06/2014</a:t>
+              <a:t>30/06/2014</a:t>
             </a:fld>
             <a:endParaRPr lang="en-GB"/>
           </a:p>
@@ -1054,7 +1054,7 @@
           <a:p>
             <a:fld id="{4D792E19-0BEC-4B8D-B7D3-C8ECEB03A1A5}" type="datetimeFigureOut">
               <a:rPr lang="en-GB" smtClean="0"/>
-              <a:t>03/06/2014</a:t>
+              <a:t>30/06/2014</a:t>
             </a:fld>
             <a:endParaRPr lang="en-GB"/>
           </a:p>
@@ -1342,7 +1342,7 @@
           <a:p>
             <a:fld id="{4D792E19-0BEC-4B8D-B7D3-C8ECEB03A1A5}" type="datetimeFigureOut">
               <a:rPr lang="en-GB" smtClean="0"/>
-              <a:t>03/06/2014</a:t>
+              <a:t>30/06/2014</a:t>
             </a:fld>
             <a:endParaRPr lang="en-GB"/>
           </a:p>
@@ -1764,7 +1764,7 @@
           <a:p>
             <a:fld id="{4D792E19-0BEC-4B8D-B7D3-C8ECEB03A1A5}" type="datetimeFigureOut">
               <a:rPr lang="en-GB" smtClean="0"/>
-              <a:t>03/06/2014</a:t>
+              <a:t>30/06/2014</a:t>
             </a:fld>
             <a:endParaRPr lang="en-GB"/>
           </a:p>
@@ -1882,7 +1882,7 @@
           <a:p>
             <a:fld id="{4D792E19-0BEC-4B8D-B7D3-C8ECEB03A1A5}" type="datetimeFigureOut">
               <a:rPr lang="en-GB" smtClean="0"/>
-              <a:t>03/06/2014</a:t>
+              <a:t>30/06/2014</a:t>
             </a:fld>
             <a:endParaRPr lang="en-GB"/>
           </a:p>
@@ -1977,7 +1977,7 @@
           <a:p>
             <a:fld id="{4D792E19-0BEC-4B8D-B7D3-C8ECEB03A1A5}" type="datetimeFigureOut">
               <a:rPr lang="en-GB" smtClean="0"/>
-              <a:t>03/06/2014</a:t>
+              <a:t>30/06/2014</a:t>
             </a:fld>
             <a:endParaRPr lang="en-GB"/>
           </a:p>
@@ -2254,7 +2254,7 @@
           <a:p>
             <a:fld id="{4D792E19-0BEC-4B8D-B7D3-C8ECEB03A1A5}" type="datetimeFigureOut">
               <a:rPr lang="en-GB" smtClean="0"/>
-              <a:t>03/06/2014</a:t>
+              <a:t>30/06/2014</a:t>
             </a:fld>
             <a:endParaRPr lang="en-GB"/>
           </a:p>
@@ -2507,7 +2507,7 @@
           <a:p>
             <a:fld id="{4D792E19-0BEC-4B8D-B7D3-C8ECEB03A1A5}" type="datetimeFigureOut">
               <a:rPr lang="en-GB" smtClean="0"/>
-              <a:t>03/06/2014</a:t>
+              <a:t>30/06/2014</a:t>
             </a:fld>
             <a:endParaRPr lang="en-GB"/>
           </a:p>
@@ -2720,7 +2720,7 @@
           <a:p>
             <a:fld id="{4D792E19-0BEC-4B8D-B7D3-C8ECEB03A1A5}" type="datetimeFigureOut">
               <a:rPr lang="en-GB" smtClean="0"/>
-              <a:t>03/06/2014</a:t>
+              <a:t>30/06/2014</a:t>
             </a:fld>
             <a:endParaRPr lang="en-GB"/>
           </a:p>
@@ -5668,11 +5668,7 @@
           <a:p>
             <a:r>
               <a:rPr lang="en-GB" sz="2000" dirty="0" smtClean="0"/>
-              <a:t>20</a:t>
-            </a:r>
-            <a:r>
-              <a:rPr lang="en-GB" sz="2000" dirty="0" smtClean="0"/>
-              <a:t>0nm</a:t>
+              <a:t>200nm</a:t>
             </a:r>
             <a:endParaRPr lang="en-GB" sz="2000" dirty="0"/>
           </a:p>
@@ -9444,7 +9440,7 @@
         </p:nvCxnSpPr>
         <p:spPr>
           <a:xfrm>
-            <a:off x="2991376" y="10927456"/>
+            <a:off x="2965498" y="10927456"/>
             <a:ext cx="0" cy="180000"/>
           </a:xfrm>
           <a:prstGeom prst="straightConnector1">
@@ -9482,7 +9478,7 @@
         </p:nvCxnSpPr>
         <p:spPr>
           <a:xfrm>
-            <a:off x="3751909" y="9843881"/>
+            <a:off x="3726031" y="9878385"/>
             <a:ext cx="0" cy="180000"/>
           </a:xfrm>
           <a:prstGeom prst="straightConnector1">

--- a/Chapter7/Figures/Fig2.pptx
+++ b/Chapter7/Figures/Fig2.pptx
@@ -7,7 +7,7 @@
   <p:sldIdLst>
     <p:sldId id="256" r:id="rId2"/>
   </p:sldIdLst>
-  <p:sldSz cx="10801350" cy="12061825"/>
+  <p:sldSz cx="10801350" cy="13322300"/>
   <p:notesSz cx="6858000" cy="9144000"/>
   <p:defaultTextStyle>
     <a:defPPr>
@@ -136,8 +136,8 @@
         </p:nvSpPr>
         <p:spPr>
           <a:xfrm>
-            <a:off x="810112" y="3746988"/>
-            <a:ext cx="9181149" cy="2585474"/>
+            <a:off x="810112" y="4138553"/>
+            <a:ext cx="9181149" cy="2855660"/>
           </a:xfrm>
         </p:spPr>
         <p:txBody>
@@ -164,8 +164,8 @@
         </p:nvSpPr>
         <p:spPr>
           <a:xfrm>
-            <a:off x="1620214" y="6835038"/>
-            <a:ext cx="7560945" cy="3082467"/>
+            <a:off x="1620214" y="7549310"/>
+            <a:ext cx="7560945" cy="3404588"/>
           </a:xfrm>
         </p:spPr>
         <p:txBody>
@@ -288,7 +288,7 @@
           <a:p>
             <a:fld id="{4D792E19-0BEC-4B8D-B7D3-C8ECEB03A1A5}" type="datetimeFigureOut">
               <a:rPr lang="en-GB" smtClean="0"/>
-              <a:t>30/06/2014</a:t>
+              <a:t>10/09/2014</a:t>
             </a:fld>
             <a:endParaRPr lang="en-GB"/>
           </a:p>
@@ -458,7 +458,7 @@
           <a:p>
             <a:fld id="{4D792E19-0BEC-4B8D-B7D3-C8ECEB03A1A5}" type="datetimeFigureOut">
               <a:rPr lang="en-GB" smtClean="0"/>
-              <a:t>30/06/2014</a:t>
+              <a:t>10/09/2014</a:t>
             </a:fld>
             <a:endParaRPr lang="en-GB"/>
           </a:p>
@@ -548,8 +548,8 @@
         </p:nvSpPr>
         <p:spPr>
           <a:xfrm>
-            <a:off x="7830988" y="483036"/>
-            <a:ext cx="2430303" cy="10291641"/>
+            <a:off x="7830994" y="533513"/>
+            <a:ext cx="2430303" cy="11367131"/>
           </a:xfrm>
         </p:spPr>
         <p:txBody>
@@ -576,8 +576,8 @@
         </p:nvSpPr>
         <p:spPr>
           <a:xfrm>
-            <a:off x="540069" y="483036"/>
-            <a:ext cx="7110888" cy="10291641"/>
+            <a:off x="540069" y="533513"/>
+            <a:ext cx="7110888" cy="11367131"/>
           </a:xfrm>
         </p:spPr>
         <p:txBody>
@@ -638,7 +638,7 @@
           <a:p>
             <a:fld id="{4D792E19-0BEC-4B8D-B7D3-C8ECEB03A1A5}" type="datetimeFigureOut">
               <a:rPr lang="en-GB" smtClean="0"/>
-              <a:t>30/06/2014</a:t>
+              <a:t>10/09/2014</a:t>
             </a:fld>
             <a:endParaRPr lang="en-GB"/>
           </a:p>
@@ -808,7 +808,7 @@
           <a:p>
             <a:fld id="{4D792E19-0BEC-4B8D-B7D3-C8ECEB03A1A5}" type="datetimeFigureOut">
               <a:rPr lang="en-GB" smtClean="0"/>
-              <a:t>30/06/2014</a:t>
+              <a:t>10/09/2014</a:t>
             </a:fld>
             <a:endParaRPr lang="en-GB"/>
           </a:p>
@@ -898,8 +898,8 @@
         </p:nvSpPr>
         <p:spPr>
           <a:xfrm>
-            <a:off x="853240" y="7750843"/>
-            <a:ext cx="9181149" cy="2395612"/>
+            <a:off x="853246" y="8560816"/>
+            <a:ext cx="9181149" cy="2645956"/>
           </a:xfrm>
         </p:spPr>
         <p:txBody>
@@ -930,8 +930,8 @@
         </p:nvSpPr>
         <p:spPr>
           <a:xfrm>
-            <a:off x="853240" y="5112323"/>
-            <a:ext cx="9181149" cy="2638524"/>
+            <a:off x="853246" y="5646569"/>
+            <a:ext cx="9181149" cy="2914253"/>
           </a:xfrm>
         </p:spPr>
         <p:txBody>
@@ -1054,7 +1054,7 @@
           <a:p>
             <a:fld id="{4D792E19-0BEC-4B8D-B7D3-C8ECEB03A1A5}" type="datetimeFigureOut">
               <a:rPr lang="en-GB" smtClean="0"/>
-              <a:t>30/06/2014</a:t>
+              <a:t>10/09/2014</a:t>
             </a:fld>
             <a:endParaRPr lang="en-GB"/>
           </a:p>
@@ -1167,8 +1167,8 @@
         </p:nvSpPr>
         <p:spPr>
           <a:xfrm>
-            <a:off x="540076" y="2814430"/>
-            <a:ext cx="4770597" cy="7960248"/>
+            <a:off x="540076" y="3108544"/>
+            <a:ext cx="4770597" cy="8792103"/>
           </a:xfrm>
         </p:spPr>
         <p:txBody>
@@ -1252,8 +1252,8 @@
         </p:nvSpPr>
         <p:spPr>
           <a:xfrm>
-            <a:off x="5490695" y="2814430"/>
-            <a:ext cx="4770597" cy="7960248"/>
+            <a:off x="5490695" y="3108544"/>
+            <a:ext cx="4770597" cy="8792103"/>
           </a:xfrm>
         </p:spPr>
         <p:txBody>
@@ -1342,7 +1342,7 @@
           <a:p>
             <a:fld id="{4D792E19-0BEC-4B8D-B7D3-C8ECEB03A1A5}" type="datetimeFigureOut">
               <a:rPr lang="en-GB" smtClean="0"/>
-              <a:t>30/06/2014</a:t>
+              <a:t>10/09/2014</a:t>
             </a:fld>
             <a:endParaRPr lang="en-GB"/>
           </a:p>
@@ -1459,8 +1459,8 @@
         </p:nvSpPr>
         <p:spPr>
           <a:xfrm>
-            <a:off x="540072" y="2699955"/>
-            <a:ext cx="4772472" cy="1125211"/>
+            <a:off x="540072" y="2982107"/>
+            <a:ext cx="4772472" cy="1242797"/>
           </a:xfrm>
         </p:spPr>
         <p:txBody>
@@ -1524,8 +1524,8 @@
         </p:nvSpPr>
         <p:spPr>
           <a:xfrm>
-            <a:off x="540072" y="3825164"/>
-            <a:ext cx="4772472" cy="6949512"/>
+            <a:off x="540072" y="4224899"/>
+            <a:ext cx="4772472" cy="7675744"/>
           </a:xfrm>
         </p:spPr>
         <p:txBody>
@@ -1609,8 +1609,8 @@
         </p:nvSpPr>
         <p:spPr>
           <a:xfrm>
-            <a:off x="5486947" y="2699955"/>
-            <a:ext cx="4774347" cy="1125211"/>
+            <a:off x="5486953" y="2982107"/>
+            <a:ext cx="4774347" cy="1242797"/>
           </a:xfrm>
         </p:spPr>
         <p:txBody>
@@ -1674,8 +1674,8 @@
         </p:nvSpPr>
         <p:spPr>
           <a:xfrm>
-            <a:off x="5486947" y="3825164"/>
-            <a:ext cx="4774347" cy="6949512"/>
+            <a:off x="5486953" y="4224899"/>
+            <a:ext cx="4774347" cy="7675744"/>
           </a:xfrm>
         </p:spPr>
         <p:txBody>
@@ -1764,7 +1764,7 @@
           <a:p>
             <a:fld id="{4D792E19-0BEC-4B8D-B7D3-C8ECEB03A1A5}" type="datetimeFigureOut">
               <a:rPr lang="en-GB" smtClean="0"/>
-              <a:t>30/06/2014</a:t>
+              <a:t>10/09/2014</a:t>
             </a:fld>
             <a:endParaRPr lang="en-GB"/>
           </a:p>
@@ -1882,7 +1882,7 @@
           <a:p>
             <a:fld id="{4D792E19-0BEC-4B8D-B7D3-C8ECEB03A1A5}" type="datetimeFigureOut">
               <a:rPr lang="en-GB" smtClean="0"/>
-              <a:t>30/06/2014</a:t>
+              <a:t>10/09/2014</a:t>
             </a:fld>
             <a:endParaRPr lang="en-GB"/>
           </a:p>
@@ -1977,7 +1977,7 @@
           <a:p>
             <a:fld id="{4D792E19-0BEC-4B8D-B7D3-C8ECEB03A1A5}" type="datetimeFigureOut">
               <a:rPr lang="en-GB" smtClean="0"/>
-              <a:t>30/06/2014</a:t>
+              <a:t>10/09/2014</a:t>
             </a:fld>
             <a:endParaRPr lang="en-GB"/>
           </a:p>
@@ -2067,8 +2067,8 @@
         </p:nvSpPr>
         <p:spPr>
           <a:xfrm>
-            <a:off x="540082" y="480245"/>
-            <a:ext cx="3553569" cy="2043811"/>
+            <a:off x="540088" y="530432"/>
+            <a:ext cx="3553569" cy="2257392"/>
           </a:xfrm>
         </p:spPr>
         <p:txBody>
@@ -2099,8 +2099,8 @@
         </p:nvSpPr>
         <p:spPr>
           <a:xfrm>
-            <a:off x="4223031" y="480246"/>
-            <a:ext cx="6038256" cy="10294434"/>
+            <a:off x="4223031" y="530435"/>
+            <a:ext cx="6038256" cy="11370214"/>
           </a:xfrm>
         </p:spPr>
         <p:txBody>
@@ -2184,8 +2184,8 @@
         </p:nvSpPr>
         <p:spPr>
           <a:xfrm>
-            <a:off x="540082" y="2524048"/>
-            <a:ext cx="3553569" cy="8250624"/>
+            <a:off x="540088" y="2787814"/>
+            <a:ext cx="3553569" cy="9112824"/>
           </a:xfrm>
         </p:spPr>
         <p:txBody>
@@ -2254,7 +2254,7 @@
           <a:p>
             <a:fld id="{4D792E19-0BEC-4B8D-B7D3-C8ECEB03A1A5}" type="datetimeFigureOut">
               <a:rPr lang="en-GB" smtClean="0"/>
-              <a:t>30/06/2014</a:t>
+              <a:t>10/09/2014</a:t>
             </a:fld>
             <a:endParaRPr lang="en-GB"/>
           </a:p>
@@ -2344,8 +2344,8 @@
         </p:nvSpPr>
         <p:spPr>
           <a:xfrm>
-            <a:off x="2117142" y="8443280"/>
-            <a:ext cx="6480810" cy="996776"/>
+            <a:off x="2117142" y="9325614"/>
+            <a:ext cx="6480810" cy="1100940"/>
           </a:xfrm>
         </p:spPr>
         <p:txBody>
@@ -2376,8 +2376,8 @@
         </p:nvSpPr>
         <p:spPr>
           <a:xfrm>
-            <a:off x="2117142" y="1077750"/>
-            <a:ext cx="6480810" cy="7237095"/>
+            <a:off x="2117142" y="1190377"/>
+            <a:ext cx="6480810" cy="7993380"/>
           </a:xfrm>
         </p:spPr>
         <p:txBody>
@@ -2437,8 +2437,8 @@
         </p:nvSpPr>
         <p:spPr>
           <a:xfrm>
-            <a:off x="2117142" y="9440055"/>
-            <a:ext cx="6480810" cy="1415590"/>
+            <a:off x="2117142" y="10426554"/>
+            <a:ext cx="6480810" cy="1563521"/>
           </a:xfrm>
         </p:spPr>
         <p:txBody>
@@ -2507,7 +2507,7 @@
           <a:p>
             <a:fld id="{4D792E19-0BEC-4B8D-B7D3-C8ECEB03A1A5}" type="datetimeFigureOut">
               <a:rPr lang="en-GB" smtClean="0"/>
-              <a:t>30/06/2014</a:t>
+              <a:t>10/09/2014</a:t>
             </a:fld>
             <a:endParaRPr lang="en-GB"/>
           </a:p>
@@ -2602,8 +2602,8 @@
         </p:nvSpPr>
         <p:spPr>
           <a:xfrm>
-            <a:off x="540079" y="483037"/>
-            <a:ext cx="9721215" cy="2010305"/>
+            <a:off x="540079" y="533518"/>
+            <a:ext cx="9721215" cy="2220383"/>
           </a:xfrm>
           <a:prstGeom prst="rect">
             <a:avLst/>
@@ -2635,8 +2635,8 @@
         </p:nvSpPr>
         <p:spPr>
           <a:xfrm>
-            <a:off x="540079" y="2814430"/>
-            <a:ext cx="9721215" cy="7960248"/>
+            <a:off x="540079" y="3108544"/>
+            <a:ext cx="9721215" cy="8792103"/>
           </a:xfrm>
           <a:prstGeom prst="rect">
             <a:avLst/>
@@ -2697,8 +2697,8 @@
         </p:nvSpPr>
         <p:spPr>
           <a:xfrm>
-            <a:off x="540079" y="11179528"/>
-            <a:ext cx="2520315" cy="642181"/>
+            <a:off x="540083" y="12347804"/>
+            <a:ext cx="2520315" cy="709290"/>
           </a:xfrm>
           <a:prstGeom prst="rect">
             <a:avLst/>
@@ -2720,7 +2720,7 @@
           <a:p>
             <a:fld id="{4D792E19-0BEC-4B8D-B7D3-C8ECEB03A1A5}" type="datetimeFigureOut">
               <a:rPr lang="en-GB" smtClean="0"/>
-              <a:t>30/06/2014</a:t>
+              <a:t>10/09/2014</a:t>
             </a:fld>
             <a:endParaRPr lang="en-GB"/>
           </a:p>
@@ -2738,8 +2738,8 @@
         </p:nvSpPr>
         <p:spPr>
           <a:xfrm>
-            <a:off x="3690472" y="11179528"/>
-            <a:ext cx="3420429" cy="642181"/>
+            <a:off x="3690472" y="12347804"/>
+            <a:ext cx="3420429" cy="709290"/>
           </a:xfrm>
           <a:prstGeom prst="rect">
             <a:avLst/>
@@ -2775,8 +2775,8 @@
         </p:nvSpPr>
         <p:spPr>
           <a:xfrm>
-            <a:off x="7740979" y="11179528"/>
-            <a:ext cx="2520315" cy="642181"/>
+            <a:off x="7740985" y="12347804"/>
+            <a:ext cx="2520315" cy="709290"/>
           </a:xfrm>
           <a:prstGeom prst="rect">
             <a:avLst/>
@@ -3097,7 +3097,7 @@
       </p:grpSpPr>
       <p:pic>
         <p:nvPicPr>
-          <p:cNvPr id="1029" name="Picture 5" descr="C:\Users\Wendy\Documents\wwn20\Thesis\Chapter7\Figures\Fig2\TM_spec.png"/>
+          <p:cNvPr id="513" name="Picture 5" descr="C:\Users\Wendy\Documents\wwn20\Thesis\Chapter7\Figures\Fig2\TM_spec.png"/>
           <p:cNvPicPr>
             <a:picLocks noChangeAspect="1" noChangeArrowheads="1"/>
           </p:cNvPicPr>
@@ -3118,8 +3118,8 @@
         </p:blipFill>
         <p:spPr bwMode="auto">
           <a:xfrm>
-            <a:off x="1316623" y="4406763"/>
-            <a:ext cx="3600000" cy="2443944"/>
+            <a:off x="1316623" y="4210804"/>
+            <a:ext cx="4680000" cy="3177127"/>
           </a:xfrm>
           <a:prstGeom prst="rect">
             <a:avLst/>
@@ -3138,7 +3138,7 @@
       </p:pic>
       <p:pic>
         <p:nvPicPr>
-          <p:cNvPr id="207" name="Picture 6" descr="C:\Users\Wendy\Documents\wwn20\Thesis\Chapter7\Figures\Fig2\ETFE_90_TM.png"/>
+          <p:cNvPr id="514" name="Picture 6" descr="C:\Users\Wendy\Documents\wwn20\Thesis\Chapter7\Figures\Fig2\ETFE_90_TM.png"/>
           <p:cNvPicPr>
             <a:picLocks noChangeAspect="1" noChangeArrowheads="1"/>
           </p:cNvPicPr>
@@ -3157,7 +3157,7 @@
         </p:blipFill>
         <p:spPr bwMode="auto">
           <a:xfrm>
-            <a:off x="8475012" y="2187421"/>
+            <a:off x="8475012" y="1888256"/>
             <a:ext cx="2254255" cy="2160000"/>
           </a:xfrm>
           <a:prstGeom prst="rect">
@@ -3177,7 +3177,7 @@
       </p:pic>
       <p:pic>
         <p:nvPicPr>
-          <p:cNvPr id="208" name="Picture 11" descr="C:\Users\Wendy\Documents\wwn20\Thesis\Chapter7\Figures\Fig2\ETFE_90_TE.png"/>
+          <p:cNvPr id="515" name="Picture 11" descr="C:\Users\Wendy\Documents\wwn20\Thesis\Chapter7\Figures\Fig2\ETFE_90_TE.png"/>
           <p:cNvPicPr>
             <a:picLocks noChangeAspect="1" noChangeArrowheads="1"/>
           </p:cNvPicPr>
@@ -3196,7 +3196,7 @@
         </p:blipFill>
         <p:spPr bwMode="auto">
           <a:xfrm>
-            <a:off x="8495720" y="7304317"/>
+            <a:off x="8495720" y="7730286"/>
             <a:ext cx="2233547" cy="2160000"/>
           </a:xfrm>
           <a:prstGeom prst="rect">
@@ -3216,7 +3216,7 @@
       </p:pic>
       <p:pic>
         <p:nvPicPr>
-          <p:cNvPr id="209" name="Picture 5" descr="C:\Users\Wendy\Documents\wwn20\Thesis\Chapter7\Figures\Fig2\ETFE_60_TM.png"/>
+          <p:cNvPr id="516" name="Picture 5" descr="C:\Users\Wendy\Documents\wwn20\Thesis\Chapter7\Figures\Fig2\ETFE_60_TM.png"/>
           <p:cNvPicPr>
             <a:picLocks noChangeAspect="1" noChangeArrowheads="1"/>
           </p:cNvPicPr>
@@ -3235,7 +3235,7 @@
         </p:blipFill>
         <p:spPr bwMode="auto">
           <a:xfrm>
-            <a:off x="6458788" y="2187421"/>
+            <a:off x="6458788" y="1888256"/>
             <a:ext cx="2254255" cy="2160000"/>
           </a:xfrm>
           <a:prstGeom prst="rect">
@@ -3255,7 +3255,7 @@
       </p:pic>
       <p:pic>
         <p:nvPicPr>
-          <p:cNvPr id="210" name="Picture 4" descr="C:\Users\Wendy\Documents\wwn20\Thesis\Chapter7\Figures\Fig2\ETFE_40_TM.png"/>
+          <p:cNvPr id="517" name="Picture 4" descr="C:\Users\Wendy\Documents\wwn20\Thesis\Chapter7\Figures\Fig2\ETFE_40_TM.png"/>
           <p:cNvPicPr>
             <a:picLocks noChangeAspect="1" noChangeArrowheads="1"/>
           </p:cNvPicPr>
@@ -3274,7 +3274,7 @@
         </p:blipFill>
         <p:spPr bwMode="auto">
           <a:xfrm>
-            <a:off x="4448115" y="2187421"/>
+            <a:off x="4448115" y="1888256"/>
             <a:ext cx="2254255" cy="2160000"/>
           </a:xfrm>
           <a:prstGeom prst="rect">
@@ -3294,7 +3294,7 @@
       </p:pic>
       <p:pic>
         <p:nvPicPr>
-          <p:cNvPr id="211" name="Picture 3" descr="C:\Users\Wendy\Documents\wwn20\Thesis\Chapter7\Figures\Fig2\ETFE_20_TM.png"/>
+          <p:cNvPr id="518" name="Picture 3" descr="C:\Users\Wendy\Documents\wwn20\Thesis\Chapter7\Figures\Fig2\ETFE_20_TM.png"/>
           <p:cNvPicPr>
             <a:picLocks noChangeAspect="1" noChangeArrowheads="1"/>
           </p:cNvPicPr>
@@ -3313,7 +3313,7 @@
         </p:blipFill>
         <p:spPr bwMode="auto">
           <a:xfrm>
-            <a:off x="2438241" y="2187421"/>
+            <a:off x="2438241" y="1888256"/>
             <a:ext cx="2254255" cy="2160000"/>
           </a:xfrm>
           <a:prstGeom prst="rect">
@@ -3333,7 +3333,7 @@
       </p:pic>
       <p:pic>
         <p:nvPicPr>
-          <p:cNvPr id="212" name="Picture 2" descr="C:\Users\Wendy\Documents\wwn20\Thesis\Chapter7\Figures\Fig2\ETFE_0_TM.png"/>
+          <p:cNvPr id="519" name="Picture 2" descr="C:\Users\Wendy\Documents\wwn20\Thesis\Chapter7\Figures\Fig2\ETFE_0_TM.png"/>
           <p:cNvPicPr>
             <a:picLocks noChangeAspect="1" noChangeArrowheads="1"/>
           </p:cNvPicPr>
@@ -3352,7 +3352,7 @@
         </p:blipFill>
         <p:spPr bwMode="auto">
           <a:xfrm>
-            <a:off x="432232" y="2187421"/>
+            <a:off x="432232" y="1888256"/>
             <a:ext cx="2254255" cy="2160000"/>
           </a:xfrm>
           <a:prstGeom prst="rect">
@@ -3372,7 +3372,7 @@
       </p:pic>
       <p:pic>
         <p:nvPicPr>
-          <p:cNvPr id="213" name="Picture 10" descr="C:\Users\Wendy\Documents\wwn20\Thesis\Chapter7\Figures\Fig2\ETFE_60_TE.png"/>
+          <p:cNvPr id="520" name="Picture 10" descr="C:\Users\Wendy\Documents\wwn20\Thesis\Chapter7\Figures\Fig2\ETFE_60_TE.png"/>
           <p:cNvPicPr>
             <a:picLocks noChangeAspect="1" noChangeArrowheads="1"/>
           </p:cNvPicPr>
@@ -3391,7 +3391,7 @@
         </p:blipFill>
         <p:spPr bwMode="auto">
           <a:xfrm>
-            <a:off x="6489850" y="7304317"/>
+            <a:off x="6489850" y="7730286"/>
             <a:ext cx="2233547" cy="2160000"/>
           </a:xfrm>
           <a:prstGeom prst="rect">
@@ -3411,7 +3411,7 @@
       </p:pic>
       <p:pic>
         <p:nvPicPr>
-          <p:cNvPr id="214" name="Picture 9" descr="C:\Users\Wendy\Documents\wwn20\Thesis\Chapter7\Figures\Fig2\ETFE_40_TE.png"/>
+          <p:cNvPr id="521" name="Picture 9" descr="C:\Users\Wendy\Documents\wwn20\Thesis\Chapter7\Figures\Fig2\ETFE_40_TE.png"/>
           <p:cNvPicPr>
             <a:picLocks noChangeAspect="1" noChangeArrowheads="1"/>
           </p:cNvPicPr>
@@ -3430,7 +3430,7 @@
         </p:blipFill>
         <p:spPr bwMode="auto">
           <a:xfrm>
-            <a:off x="4479177" y="7304317"/>
+            <a:off x="4479177" y="7730286"/>
             <a:ext cx="2233547" cy="2160000"/>
           </a:xfrm>
           <a:prstGeom prst="rect">
@@ -3450,7 +3450,7 @@
       </p:pic>
       <p:pic>
         <p:nvPicPr>
-          <p:cNvPr id="215" name="Picture 8" descr="C:\Users\Wendy\Documents\wwn20\Thesis\Chapter7\Figures\Fig2\ETFE_20_TE.png"/>
+          <p:cNvPr id="522" name="Picture 8" descr="C:\Users\Wendy\Documents\wwn20\Thesis\Chapter7\Figures\Fig2\ETFE_20_TE.png"/>
           <p:cNvPicPr>
             <a:picLocks noChangeAspect="1" noChangeArrowheads="1"/>
           </p:cNvPicPr>
@@ -3469,7 +3469,7 @@
         </p:blipFill>
         <p:spPr bwMode="auto">
           <a:xfrm>
-            <a:off x="2469303" y="7304317"/>
+            <a:off x="2469303" y="7730286"/>
             <a:ext cx="2233547" cy="2160000"/>
           </a:xfrm>
           <a:prstGeom prst="rect">
@@ -3489,7 +3489,7 @@
       </p:pic>
       <p:pic>
         <p:nvPicPr>
-          <p:cNvPr id="216" name="Picture 7" descr="C:\Users\Wendy\Documents\wwn20\Thesis\Chapter7\Figures\Fig2\ETFE_0_TE.png"/>
+          <p:cNvPr id="523" name="Picture 7" descr="C:\Users\Wendy\Documents\wwn20\Thesis\Chapter7\Figures\Fig2\ETFE_0_TE.png"/>
           <p:cNvPicPr>
             <a:picLocks noChangeAspect="1" noChangeArrowheads="1"/>
           </p:cNvPicPr>
@@ -3508,7 +3508,7 @@
         </p:blipFill>
         <p:spPr bwMode="auto">
           <a:xfrm>
-            <a:off x="463294" y="7304317"/>
+            <a:off x="463294" y="7730286"/>
             <a:ext cx="2233547" cy="2160000"/>
           </a:xfrm>
           <a:prstGeom prst="rect">
@@ -3528,7 +3528,7 @@
       </p:pic>
       <p:pic>
         <p:nvPicPr>
-          <p:cNvPr id="218" name="Picture 14" descr="C:\Users\Wendy\Documents\wwn20\Thesis\Chapter7\Figures\Fig2\TE_spec.png"/>
+          <p:cNvPr id="524" name="Picture 14" descr="C:\Users\Wendy\Documents\wwn20\Thesis\Chapter7\Figures\Fig2\TE_spec.png"/>
           <p:cNvPicPr>
             <a:picLocks noChangeAspect="1" noChangeArrowheads="1"/>
           </p:cNvPicPr>
@@ -3549,8 +3549,8 @@
         </p:blipFill>
         <p:spPr bwMode="auto">
           <a:xfrm>
-            <a:off x="1330830" y="9545475"/>
-            <a:ext cx="3600000" cy="2443944"/>
+            <a:off x="1330830" y="10115460"/>
+            <a:ext cx="4680000" cy="3177127"/>
           </a:xfrm>
           <a:prstGeom prst="rect">
             <a:avLst/>
@@ -3569,13 +3569,13 @@
       </p:pic>
       <p:sp>
         <p:nvSpPr>
-          <p:cNvPr id="219" name="TextBox 218"/>
+          <p:cNvPr id="525" name="TextBox 524"/>
           <p:cNvSpPr txBox="1"/>
           <p:nvPr/>
         </p:nvSpPr>
         <p:spPr>
           <a:xfrm rot="16200000">
-            <a:off x="-853531" y="2823507"/>
+            <a:off x="-853531" y="2524342"/>
             <a:ext cx="2217242" cy="353943"/>
           </a:xfrm>
           <a:prstGeom prst="rect">
@@ -3605,13 +3605,13 @@
       </p:sp>
       <p:sp>
         <p:nvSpPr>
-          <p:cNvPr id="220" name="TextBox 219"/>
+          <p:cNvPr id="526" name="TextBox 525"/>
           <p:cNvSpPr txBox="1"/>
           <p:nvPr/>
         </p:nvSpPr>
         <p:spPr>
           <a:xfrm>
-            <a:off x="5183784" y="4278279"/>
+            <a:off x="5183784" y="3979114"/>
             <a:ext cx="972108" cy="353943"/>
           </a:xfrm>
           <a:prstGeom prst="rect">
@@ -3662,14 +3662,14 @@
       </p:sp>
       <p:sp>
         <p:nvSpPr>
-          <p:cNvPr id="221" name="TextBox 220"/>
+          <p:cNvPr id="527" name="TextBox 526"/>
           <p:cNvSpPr txBox="1"/>
           <p:nvPr/>
         </p:nvSpPr>
         <p:spPr>
           <a:xfrm>
-            <a:off x="646652" y="1785569"/>
-            <a:ext cx="1873703" cy="400110"/>
+            <a:off x="646652" y="1486404"/>
+            <a:ext cx="2799734" cy="477054"/>
           </a:xfrm>
           <a:prstGeom prst="rect">
             <a:avLst/>
@@ -3683,23 +3683,23 @@
           <a:lstStyle/>
           <a:p>
             <a:r>
-              <a:rPr lang="en-GB" sz="2000" b="1" dirty="0" smtClean="0"/>
+              <a:rPr lang="en-GB" sz="2500" b="1" dirty="0" smtClean="0"/>
               <a:t>TM polarisation</a:t>
             </a:r>
-            <a:endParaRPr lang="en-GB" sz="2000" b="1" dirty="0"/>
+            <a:endParaRPr lang="en-GB" sz="2500" b="1" dirty="0"/>
           </a:p>
         </p:txBody>
       </p:sp>
       <p:sp>
         <p:nvSpPr>
-          <p:cNvPr id="222" name="TextBox 221"/>
+          <p:cNvPr id="528" name="TextBox 527"/>
           <p:cNvSpPr txBox="1"/>
           <p:nvPr/>
         </p:nvSpPr>
         <p:spPr>
           <a:xfrm>
-            <a:off x="718660" y="6892242"/>
-            <a:ext cx="1873703" cy="400110"/>
+            <a:off x="718660" y="7318211"/>
+            <a:ext cx="2799734" cy="477054"/>
           </a:xfrm>
           <a:prstGeom prst="rect">
             <a:avLst/>
@@ -3713,22 +3713,22 @@
           <a:lstStyle/>
           <a:p>
             <a:r>
-              <a:rPr lang="en-GB" sz="2000" b="1" dirty="0" smtClean="0"/>
+              <a:rPr lang="en-GB" sz="2500" b="1" dirty="0" smtClean="0"/>
               <a:t>TE polarisation</a:t>
             </a:r>
-            <a:endParaRPr lang="en-GB" sz="2000" b="1" dirty="0"/>
+            <a:endParaRPr lang="en-GB" sz="2500" b="1" dirty="0"/>
           </a:p>
         </p:txBody>
       </p:sp>
       <p:sp>
         <p:nvSpPr>
-          <p:cNvPr id="223" name="TextBox 222"/>
+          <p:cNvPr id="529" name="TextBox 528"/>
           <p:cNvSpPr txBox="1"/>
           <p:nvPr/>
         </p:nvSpPr>
         <p:spPr>
           <a:xfrm rot="16200000">
-            <a:off x="-859566" y="7961728"/>
+            <a:off x="-859566" y="8387697"/>
             <a:ext cx="2217242" cy="353943"/>
           </a:xfrm>
           <a:prstGeom prst="rect">
@@ -3758,13 +3758,13 @@
       </p:sp>
       <p:sp>
         <p:nvSpPr>
-          <p:cNvPr id="224" name="TextBox 223"/>
+          <p:cNvPr id="530" name="TextBox 529"/>
           <p:cNvSpPr txBox="1"/>
           <p:nvPr/>
         </p:nvSpPr>
         <p:spPr>
           <a:xfrm>
-            <a:off x="5177749" y="9416500"/>
+            <a:off x="5177749" y="9842469"/>
             <a:ext cx="972108" cy="353943"/>
           </a:xfrm>
           <a:prstGeom prst="rect">
@@ -3815,7 +3815,7 @@
       </p:sp>
       <p:pic>
         <p:nvPicPr>
-          <p:cNvPr id="225" name="Picture 15" descr="C:\Users\Wendy\Documents\wwn20\Thesis\Chapter7\Figures\Fig2\Scale.png"/>
+          <p:cNvPr id="531" name="Picture 15" descr="C:\Users\Wendy\Documents\wwn20\Thesis\Chapter7\Figures\Fig2\Scale.png"/>
           <p:cNvPicPr>
             <a:picLocks noChangeAspect="1" noChangeArrowheads="1"/>
           </p:cNvPicPr>
@@ -3834,8 +3834,8 @@
         </p:blipFill>
         <p:spPr bwMode="auto">
           <a:xfrm>
-            <a:off x="8807398" y="11368225"/>
-            <a:ext cx="1993952" cy="589281"/>
+            <a:off x="7921350" y="12493759"/>
+            <a:ext cx="2880000" cy="851138"/>
           </a:xfrm>
           <a:prstGeom prst="rect">
             <a:avLst/>
@@ -3854,13 +3854,13 @@
       </p:pic>
       <p:sp>
         <p:nvSpPr>
-          <p:cNvPr id="226" name="TextBox 225"/>
+          <p:cNvPr id="532" name="TextBox 531"/>
           <p:cNvSpPr txBox="1"/>
           <p:nvPr/>
         </p:nvSpPr>
         <p:spPr>
           <a:xfrm>
-            <a:off x="2751910" y="3739768"/>
+            <a:off x="2751910" y="3440603"/>
             <a:ext cx="1022598" cy="369332"/>
           </a:xfrm>
           <a:prstGeom prst="rect">
@@ -3892,13 +3892,13 @@
       </p:sp>
       <p:sp>
         <p:nvSpPr>
-          <p:cNvPr id="227" name="TextBox 226"/>
+          <p:cNvPr id="533" name="TextBox 532"/>
           <p:cNvSpPr txBox="1"/>
           <p:nvPr/>
         </p:nvSpPr>
         <p:spPr>
           <a:xfrm>
-            <a:off x="4747856" y="3739768"/>
+            <a:off x="4747856" y="3440603"/>
             <a:ext cx="1022598" cy="369332"/>
           </a:xfrm>
           <a:prstGeom prst="rect">
@@ -3930,13 +3930,13 @@
       </p:sp>
       <p:sp>
         <p:nvSpPr>
-          <p:cNvPr id="228" name="TextBox 227"/>
+          <p:cNvPr id="534" name="TextBox 533"/>
           <p:cNvSpPr txBox="1"/>
           <p:nvPr/>
         </p:nvSpPr>
         <p:spPr>
           <a:xfrm>
-            <a:off x="6748066" y="3739768"/>
+            <a:off x="6748066" y="3440603"/>
             <a:ext cx="1022598" cy="369332"/>
           </a:xfrm>
           <a:prstGeom prst="rect">
@@ -3968,13 +3968,13 @@
       </p:sp>
       <p:sp>
         <p:nvSpPr>
-          <p:cNvPr id="229" name="TextBox 228"/>
+          <p:cNvPr id="535" name="TextBox 534"/>
           <p:cNvSpPr txBox="1"/>
           <p:nvPr/>
         </p:nvSpPr>
         <p:spPr>
           <a:xfrm>
-            <a:off x="8781776" y="3739768"/>
+            <a:off x="8781776" y="3440603"/>
             <a:ext cx="1022598" cy="369332"/>
           </a:xfrm>
           <a:prstGeom prst="rect">
@@ -4006,13 +4006,13 @@
       </p:sp>
       <p:sp>
         <p:nvSpPr>
-          <p:cNvPr id="231" name="TextBox 230"/>
+          <p:cNvPr id="536" name="TextBox 535"/>
           <p:cNvSpPr txBox="1"/>
           <p:nvPr/>
         </p:nvSpPr>
         <p:spPr>
           <a:xfrm>
-            <a:off x="4763622" y="8877020"/>
+            <a:off x="4763622" y="9302989"/>
             <a:ext cx="1022598" cy="369332"/>
           </a:xfrm>
           <a:prstGeom prst="rect">
@@ -4044,13 +4044,13 @@
       </p:sp>
       <p:sp>
         <p:nvSpPr>
-          <p:cNvPr id="232" name="TextBox 231"/>
+          <p:cNvPr id="537" name="TextBox 536"/>
           <p:cNvSpPr txBox="1"/>
           <p:nvPr/>
         </p:nvSpPr>
         <p:spPr>
           <a:xfrm>
-            <a:off x="6763832" y="8877020"/>
+            <a:off x="6763832" y="9302989"/>
             <a:ext cx="1022598" cy="369332"/>
           </a:xfrm>
           <a:prstGeom prst="rect">
@@ -4082,13 +4082,13 @@
       </p:sp>
       <p:sp>
         <p:nvSpPr>
-          <p:cNvPr id="233" name="TextBox 232"/>
+          <p:cNvPr id="538" name="TextBox 537"/>
           <p:cNvSpPr txBox="1"/>
           <p:nvPr/>
         </p:nvSpPr>
         <p:spPr>
           <a:xfrm>
-            <a:off x="8797542" y="8877020"/>
+            <a:off x="8797542" y="9302989"/>
             <a:ext cx="1022598" cy="369332"/>
           </a:xfrm>
           <a:prstGeom prst="rect">
@@ -4120,13 +4120,13 @@
       </p:sp>
       <p:sp>
         <p:nvSpPr>
-          <p:cNvPr id="234" name="Freeform 233"/>
+          <p:cNvPr id="539" name="Freeform 538"/>
           <p:cNvSpPr/>
           <p:nvPr/>
         </p:nvSpPr>
         <p:spPr>
           <a:xfrm>
-            <a:off x="834327" y="4331315"/>
+            <a:off x="834327" y="4032150"/>
             <a:ext cx="446970" cy="1109679"/>
           </a:xfrm>
           <a:custGeom>
@@ -4209,13 +4209,13 @@
       </p:sp>
       <p:sp>
         <p:nvSpPr>
-          <p:cNvPr id="235" name="Freeform 234"/>
+          <p:cNvPr id="540" name="Freeform 539"/>
           <p:cNvSpPr/>
           <p:nvPr/>
         </p:nvSpPr>
         <p:spPr>
           <a:xfrm>
-            <a:off x="834327" y="9464317"/>
+            <a:off x="834327" y="9890286"/>
             <a:ext cx="446970" cy="1109679"/>
           </a:xfrm>
           <a:custGeom>
@@ -4298,13 +4298,13 @@
       </p:sp>
       <p:cxnSp>
         <p:nvCxnSpPr>
-          <p:cNvPr id="236" name="Straight Connector 235"/>
+          <p:cNvPr id="541" name="Straight Connector 540"/>
           <p:cNvCxnSpPr/>
           <p:nvPr/>
         </p:nvCxnSpPr>
         <p:spPr>
           <a:xfrm>
-            <a:off x="1052335" y="2264691"/>
+            <a:off x="1052335" y="1965526"/>
             <a:ext cx="0" cy="1872000"/>
           </a:xfrm>
           <a:prstGeom prst="line">
@@ -4334,13 +4334,13 @@
       </p:cxnSp>
       <p:sp>
         <p:nvSpPr>
-          <p:cNvPr id="237" name="TextBox 236"/>
+          <p:cNvPr id="542" name="TextBox 541"/>
           <p:cNvSpPr txBox="1"/>
           <p:nvPr/>
         </p:nvSpPr>
         <p:spPr>
           <a:xfrm>
-            <a:off x="720155" y="3739768"/>
+            <a:off x="720155" y="3440603"/>
             <a:ext cx="843475" cy="369332"/>
           </a:xfrm>
           <a:prstGeom prst="rect">
@@ -4372,13 +4372,13 @@
       </p:sp>
       <p:cxnSp>
         <p:nvCxnSpPr>
-          <p:cNvPr id="238" name="Straight Connector 237"/>
+          <p:cNvPr id="543" name="Straight Connector 542"/>
           <p:cNvCxnSpPr/>
           <p:nvPr/>
         </p:nvCxnSpPr>
         <p:spPr>
           <a:xfrm>
-            <a:off x="1680112" y="2264691"/>
+            <a:off x="1680112" y="1965526"/>
             <a:ext cx="0" cy="1872000"/>
           </a:xfrm>
           <a:prstGeom prst="line">
@@ -4408,13 +4408,13 @@
       </p:cxnSp>
       <p:cxnSp>
         <p:nvCxnSpPr>
-          <p:cNvPr id="239" name="Straight Connector 238"/>
+          <p:cNvPr id="544" name="Straight Connector 543"/>
           <p:cNvCxnSpPr/>
           <p:nvPr/>
         </p:nvCxnSpPr>
         <p:spPr>
           <a:xfrm>
-            <a:off x="2296380" y="2288993"/>
+            <a:off x="2296380" y="1989828"/>
             <a:ext cx="0" cy="1872000"/>
           </a:xfrm>
           <a:prstGeom prst="line">
@@ -4444,13 +4444,13 @@
       </p:cxnSp>
       <p:cxnSp>
         <p:nvCxnSpPr>
-          <p:cNvPr id="240" name="Straight Connector 239"/>
+          <p:cNvPr id="545" name="Straight Connector 544"/>
           <p:cNvCxnSpPr/>
           <p:nvPr/>
         </p:nvCxnSpPr>
         <p:spPr>
           <a:xfrm>
-            <a:off x="1060735" y="7385210"/>
+            <a:off x="1060735" y="7811179"/>
             <a:ext cx="0" cy="1872000"/>
           </a:xfrm>
           <a:prstGeom prst="line">
@@ -4480,13 +4480,13 @@
       </p:cxnSp>
       <p:cxnSp>
         <p:nvCxnSpPr>
-          <p:cNvPr id="241" name="Straight Connector 240"/>
+          <p:cNvPr id="546" name="Straight Connector 545"/>
           <p:cNvCxnSpPr/>
           <p:nvPr/>
         </p:nvCxnSpPr>
         <p:spPr>
           <a:xfrm>
-            <a:off x="1688512" y="7385210"/>
+            <a:off x="1688512" y="7811179"/>
             <a:ext cx="0" cy="1872000"/>
           </a:xfrm>
           <a:prstGeom prst="line">
@@ -4516,7 +4516,7 @@
       </p:cxnSp>
       <p:pic>
         <p:nvPicPr>
-          <p:cNvPr id="243" name="Picture 2" descr="C:\Users\Wendy\Documents\wwn20\Thesis\Chapter7\Figures\Fig2\AFM.png"/>
+          <p:cNvPr id="547" name="Picture 2" descr="C:\Users\Wendy\Documents\wwn20\Thesis\Chapter7\Figures\Fig2\AFM.png"/>
           <p:cNvPicPr>
             <a:picLocks noChangeAspect="1" noChangeArrowheads="1"/>
           </p:cNvPicPr>
@@ -4535,7 +4535,7 @@
         </p:blipFill>
         <p:spPr bwMode="auto">
           <a:xfrm>
-            <a:off x="787547" y="433416"/>
+            <a:off x="787547" y="228844"/>
             <a:ext cx="3499033" cy="893258"/>
           </a:xfrm>
           <a:prstGeom prst="rect">
@@ -4555,13 +4555,13 @@
       </p:pic>
       <p:cxnSp>
         <p:nvCxnSpPr>
-          <p:cNvPr id="244" name="Straight Connector 243"/>
+          <p:cNvPr id="548" name="Straight Connector 547"/>
           <p:cNvCxnSpPr/>
           <p:nvPr/>
         </p:nvCxnSpPr>
         <p:spPr>
           <a:xfrm>
-            <a:off x="3234590" y="1224181"/>
+            <a:off x="3234590" y="1019609"/>
             <a:ext cx="892800" cy="0"/>
           </a:xfrm>
           <a:prstGeom prst="line">
@@ -4590,13 +4590,13 @@
       </p:cxnSp>
       <p:sp>
         <p:nvSpPr>
-          <p:cNvPr id="245" name="TextBox 244"/>
+          <p:cNvPr id="549" name="TextBox 548"/>
           <p:cNvSpPr txBox="1"/>
           <p:nvPr/>
         </p:nvSpPr>
         <p:spPr>
           <a:xfrm>
-            <a:off x="3303733" y="829340"/>
+            <a:off x="3303733" y="624768"/>
             <a:ext cx="773462" cy="430887"/>
           </a:xfrm>
           <a:prstGeom prst="rect">
@@ -4628,7 +4628,7 @@
       </p:sp>
       <p:pic>
         <p:nvPicPr>
-          <p:cNvPr id="246" name="Picture 4" descr="C:\Users\Wendy\Documents\wwn20\Thesis\Chapter7\Figures\Fig2\AFM_scale.png"/>
+          <p:cNvPr id="550" name="Picture 4" descr="C:\Users\Wendy\Documents\wwn20\Thesis\Chapter7\Figures\Fig2\AFM_scale.png"/>
           <p:cNvPicPr>
             <a:picLocks noChangeAspect="1" noChangeArrowheads="1"/>
           </p:cNvPicPr>
@@ -4647,7 +4647,7 @@
         </p:blipFill>
         <p:spPr bwMode="auto">
           <a:xfrm>
-            <a:off x="4479177" y="98502"/>
+            <a:off x="4479177" y="-106070"/>
             <a:ext cx="1069898" cy="1563085"/>
           </a:xfrm>
           <a:prstGeom prst="rect">
@@ -4667,13 +4667,13 @@
       </p:pic>
       <p:grpSp>
         <p:nvGrpSpPr>
-          <p:cNvPr id="247" name="Group 246"/>
+          <p:cNvPr id="551" name="Group 550"/>
           <p:cNvGrpSpPr/>
           <p:nvPr/>
         </p:nvGrpSpPr>
         <p:grpSpPr>
           <a:xfrm>
-            <a:off x="6249193" y="424964"/>
+            <a:off x="6249193" y="220392"/>
             <a:ext cx="3600000" cy="1004135"/>
             <a:chOff x="1360079" y="4626589"/>
             <a:chExt cx="5434320" cy="1004135"/>
@@ -4681,7 +4681,7 @@
         </p:grpSpPr>
         <p:sp>
           <p:nvSpPr>
-            <p:cNvPr id="248" name="Rectangle 247"/>
+            <p:cNvPr id="552" name="Rectangle 551"/>
             <p:cNvSpPr/>
             <p:nvPr/>
           </p:nvSpPr>
@@ -4836,7 +4836,7 @@
         </p:sp>
         <p:sp>
           <p:nvSpPr>
-            <p:cNvPr id="249" name="Rectangle 248"/>
+            <p:cNvPr id="553" name="Rectangle 552"/>
             <p:cNvSpPr/>
             <p:nvPr/>
           </p:nvSpPr>
@@ -4991,7 +4991,7 @@
         </p:sp>
         <p:sp>
           <p:nvSpPr>
-            <p:cNvPr id="250" name="Rectangle 249"/>
+            <p:cNvPr id="554" name="Rectangle 553"/>
             <p:cNvSpPr/>
             <p:nvPr/>
           </p:nvSpPr>
@@ -5146,7 +5146,7 @@
         </p:sp>
         <p:sp>
           <p:nvSpPr>
-            <p:cNvPr id="251" name="Rectangle 250"/>
+            <p:cNvPr id="555" name="Rectangle 554"/>
             <p:cNvSpPr/>
             <p:nvPr/>
           </p:nvSpPr>
@@ -5301,7 +5301,7 @@
         </p:sp>
         <p:sp>
           <p:nvSpPr>
-            <p:cNvPr id="252" name="Rectangle 251"/>
+            <p:cNvPr id="556" name="Rectangle 555"/>
             <p:cNvSpPr/>
             <p:nvPr/>
           </p:nvSpPr>
@@ -5456,7 +5456,7 @@
         </p:sp>
         <p:sp>
           <p:nvSpPr>
-            <p:cNvPr id="253" name="Rectangle 252"/>
+            <p:cNvPr id="557" name="Rectangle 556"/>
             <p:cNvSpPr/>
             <p:nvPr/>
           </p:nvSpPr>
@@ -5612,13 +5612,13 @@
       </p:grpSp>
       <p:cxnSp>
         <p:nvCxnSpPr>
-          <p:cNvPr id="254" name="Straight Connector 253"/>
+          <p:cNvPr id="558" name="Straight Connector 557"/>
           <p:cNvCxnSpPr/>
           <p:nvPr/>
         </p:nvCxnSpPr>
         <p:spPr>
           <a:xfrm>
-            <a:off x="6651012" y="501722"/>
+            <a:off x="6651012" y="297150"/>
             <a:ext cx="360000" cy="0"/>
           </a:xfrm>
           <a:prstGeom prst="line">
@@ -5646,13 +5646,13 @@
       </p:cxnSp>
       <p:sp>
         <p:nvSpPr>
-          <p:cNvPr id="255" name="TextBox 254"/>
+          <p:cNvPr id="559" name="TextBox 558"/>
           <p:cNvSpPr txBox="1"/>
           <p:nvPr/>
         </p:nvSpPr>
         <p:spPr>
           <a:xfrm>
-            <a:off x="6397766" y="96970"/>
+            <a:off x="6397766" y="-107602"/>
             <a:ext cx="972405" cy="400110"/>
           </a:xfrm>
           <a:prstGeom prst="rect">
@@ -5676,13 +5676,13 @@
       </p:sp>
       <p:cxnSp>
         <p:nvCxnSpPr>
-          <p:cNvPr id="256" name="Straight Connector 255"/>
+          <p:cNvPr id="560" name="Straight Connector 559"/>
           <p:cNvCxnSpPr/>
           <p:nvPr/>
         </p:nvCxnSpPr>
         <p:spPr>
           <a:xfrm>
-            <a:off x="9578884" y="424150"/>
+            <a:off x="9578884" y="219578"/>
             <a:ext cx="0" cy="523513"/>
           </a:xfrm>
           <a:prstGeom prst="line">
@@ -5710,13 +5710,13 @@
       </p:cxnSp>
       <p:sp>
         <p:nvSpPr>
-          <p:cNvPr id="257" name="TextBox 256"/>
+          <p:cNvPr id="561" name="TextBox 560"/>
           <p:cNvSpPr txBox="1"/>
           <p:nvPr/>
         </p:nvSpPr>
         <p:spPr>
           <a:xfrm>
-            <a:off x="9578884" y="512729"/>
+            <a:off x="9578884" y="308157"/>
             <a:ext cx="1048788" cy="400110"/>
           </a:xfrm>
           <a:prstGeom prst="rect">
@@ -5740,13 +5740,13 @@
       </p:sp>
       <p:cxnSp>
         <p:nvCxnSpPr>
-          <p:cNvPr id="258" name="Straight Connector 257"/>
+          <p:cNvPr id="562" name="Straight Connector 561"/>
           <p:cNvCxnSpPr/>
           <p:nvPr/>
         </p:nvCxnSpPr>
         <p:spPr>
           <a:xfrm>
-            <a:off x="7854192" y="947418"/>
+            <a:off x="7854192" y="742846"/>
             <a:ext cx="828000" cy="0"/>
           </a:xfrm>
           <a:prstGeom prst="line">
@@ -5774,13 +5774,13 @@
       </p:cxnSp>
       <p:sp>
         <p:nvSpPr>
-          <p:cNvPr id="259" name="TextBox 258"/>
+          <p:cNvPr id="563" name="TextBox 562"/>
           <p:cNvSpPr txBox="1"/>
           <p:nvPr/>
         </p:nvSpPr>
         <p:spPr>
           <a:xfrm>
-            <a:off x="7710896" y="942180"/>
+            <a:off x="7710896" y="737608"/>
             <a:ext cx="1332600" cy="400110"/>
           </a:xfrm>
           <a:prstGeom prst="rect">
@@ -5808,13 +5808,13 @@
       </p:sp>
       <p:sp>
         <p:nvSpPr>
-          <p:cNvPr id="6" name="TextBox 5"/>
+          <p:cNvPr id="564" name="TextBox 563"/>
           <p:cNvSpPr txBox="1"/>
           <p:nvPr/>
         </p:nvSpPr>
         <p:spPr>
           <a:xfrm>
-            <a:off x="222134" y="126256"/>
+            <a:off x="222134" y="-78316"/>
             <a:ext cx="642037" cy="477054"/>
           </a:xfrm>
           <a:prstGeom prst="rect">
@@ -5838,13 +5838,13 @@
       </p:sp>
       <p:sp>
         <p:nvSpPr>
-          <p:cNvPr id="260" name="TextBox 259"/>
+          <p:cNvPr id="565" name="TextBox 564"/>
           <p:cNvSpPr txBox="1"/>
           <p:nvPr/>
         </p:nvSpPr>
         <p:spPr>
           <a:xfrm>
-            <a:off x="5688707" y="126256"/>
+            <a:off x="5688707" y="-78316"/>
             <a:ext cx="642037" cy="477054"/>
           </a:xfrm>
           <a:prstGeom prst="rect">
@@ -5868,13 +5868,13 @@
       </p:sp>
       <p:sp>
         <p:nvSpPr>
-          <p:cNvPr id="7" name="TextBox 6"/>
+          <p:cNvPr id="566" name="TextBox 565"/>
           <p:cNvSpPr txBox="1"/>
           <p:nvPr/>
         </p:nvSpPr>
         <p:spPr>
           <a:xfrm>
-            <a:off x="9804374" y="1463878"/>
+            <a:off x="9804374" y="1259306"/>
             <a:ext cx="794645" cy="430887"/>
           </a:xfrm>
           <a:prstGeom prst="rect">
@@ -5898,13 +5898,13 @@
       </p:sp>
       <p:cxnSp>
         <p:nvCxnSpPr>
-          <p:cNvPr id="10" name="Straight Connector 9"/>
+          <p:cNvPr id="567" name="Straight Connector 566"/>
           <p:cNvCxnSpPr/>
           <p:nvPr/>
         </p:nvCxnSpPr>
         <p:spPr>
           <a:xfrm>
-            <a:off x="9675883" y="1326674"/>
+            <a:off x="9675883" y="1122102"/>
             <a:ext cx="261296" cy="239742"/>
           </a:xfrm>
           <a:prstGeom prst="line">
@@ -5933,13 +5933,13 @@
       </p:cxnSp>
       <p:sp>
         <p:nvSpPr>
-          <p:cNvPr id="11" name="TextBox 10"/>
+          <p:cNvPr id="568" name="TextBox 567"/>
           <p:cNvSpPr txBox="1"/>
           <p:nvPr/>
         </p:nvSpPr>
         <p:spPr>
           <a:xfrm>
-            <a:off x="109350" y="1747097"/>
+            <a:off x="109350" y="1542525"/>
             <a:ext cx="645764" cy="477054"/>
           </a:xfrm>
           <a:prstGeom prst="rect">
@@ -5963,13 +5963,13 @@
       </p:sp>
       <p:sp>
         <p:nvSpPr>
-          <p:cNvPr id="261" name="TextBox 260"/>
+          <p:cNvPr id="569" name="TextBox 568"/>
           <p:cNvSpPr txBox="1"/>
           <p:nvPr/>
         </p:nvSpPr>
         <p:spPr>
           <a:xfrm>
-            <a:off x="1080195" y="4446736"/>
+            <a:off x="1080195" y="4147571"/>
             <a:ext cx="645764" cy="477054"/>
           </a:xfrm>
           <a:prstGeom prst="rect">
@@ -5993,13 +5993,13 @@
       </p:sp>
       <p:sp>
         <p:nvSpPr>
-          <p:cNvPr id="262" name="TextBox 261"/>
+          <p:cNvPr id="570" name="TextBox 569"/>
           <p:cNvSpPr txBox="1"/>
           <p:nvPr/>
         </p:nvSpPr>
         <p:spPr>
           <a:xfrm>
-            <a:off x="146399" y="6850002"/>
+            <a:off x="146399" y="7275971"/>
             <a:ext cx="645764" cy="477054"/>
           </a:xfrm>
           <a:prstGeom prst="rect">
@@ -6023,13 +6023,13 @@
       </p:sp>
       <p:sp>
         <p:nvSpPr>
-          <p:cNvPr id="263" name="TextBox 262"/>
+          <p:cNvPr id="571" name="TextBox 570"/>
           <p:cNvSpPr txBox="1"/>
           <p:nvPr/>
         </p:nvSpPr>
         <p:spPr>
           <a:xfrm>
-            <a:off x="1154511" y="9545475"/>
+            <a:off x="1154511" y="9971444"/>
             <a:ext cx="645764" cy="477054"/>
           </a:xfrm>
           <a:prstGeom prst="rect">
@@ -6053,13 +6053,13 @@
       </p:sp>
       <p:sp>
         <p:nvSpPr>
-          <p:cNvPr id="18" name="Freeform 17"/>
+          <p:cNvPr id="572" name="Freeform 571"/>
           <p:cNvSpPr/>
           <p:nvPr/>
         </p:nvSpPr>
         <p:spPr>
           <a:xfrm>
-            <a:off x="749300" y="2711450"/>
+            <a:off x="749300" y="2412285"/>
             <a:ext cx="1708150" cy="1397000"/>
           </a:xfrm>
           <a:custGeom>
@@ -6440,13 +6440,13 @@
       </p:sp>
       <p:sp>
         <p:nvSpPr>
-          <p:cNvPr id="264" name="Freeform 263"/>
+          <p:cNvPr id="573" name="Freeform 572"/>
           <p:cNvSpPr/>
           <p:nvPr/>
         </p:nvSpPr>
         <p:spPr>
           <a:xfrm>
-            <a:off x="754063" y="7818412"/>
+            <a:off x="754063" y="8244381"/>
             <a:ext cx="1708150" cy="1397000"/>
           </a:xfrm>
           <a:custGeom>
@@ -6827,13 +6827,13 @@
       </p:sp>
       <p:sp>
         <p:nvSpPr>
-          <p:cNvPr id="265" name="Freeform 264"/>
+          <p:cNvPr id="574" name="Freeform 573"/>
           <p:cNvSpPr/>
           <p:nvPr/>
         </p:nvSpPr>
         <p:spPr>
           <a:xfrm>
-            <a:off x="2738351" y="2650671"/>
+            <a:off x="2738351" y="2351506"/>
             <a:ext cx="1779614" cy="1299163"/>
           </a:xfrm>
           <a:custGeom>
@@ -7230,13 +7230,13 @@
       </p:sp>
       <p:sp>
         <p:nvSpPr>
-          <p:cNvPr id="266" name="Freeform 265"/>
+          <p:cNvPr id="575" name="Freeform 574"/>
           <p:cNvSpPr/>
           <p:nvPr/>
         </p:nvSpPr>
         <p:spPr>
           <a:xfrm>
-            <a:off x="2757115" y="7783643"/>
+            <a:off x="2757115" y="8209612"/>
             <a:ext cx="1779614" cy="1299163"/>
           </a:xfrm>
           <a:custGeom>
@@ -7633,13 +7633,13 @@
       </p:sp>
       <p:sp>
         <p:nvSpPr>
-          <p:cNvPr id="267" name="Freeform 266"/>
+          <p:cNvPr id="576" name="Freeform 575"/>
           <p:cNvSpPr/>
           <p:nvPr/>
         </p:nvSpPr>
         <p:spPr>
           <a:xfrm>
-            <a:off x="746547" y="8598544"/>
+            <a:off x="746547" y="9024513"/>
             <a:ext cx="679450" cy="635000"/>
           </a:xfrm>
           <a:custGeom>
@@ -8062,13 +8062,13 @@
       </p:sp>
       <p:sp>
         <p:nvSpPr>
-          <p:cNvPr id="268" name="Freeform 267"/>
+          <p:cNvPr id="577" name="Freeform 576"/>
           <p:cNvSpPr/>
           <p:nvPr/>
         </p:nvSpPr>
         <p:spPr>
           <a:xfrm>
-            <a:off x="2759561" y="8529612"/>
+            <a:off x="2759561" y="8955581"/>
             <a:ext cx="825500" cy="711200"/>
           </a:xfrm>
           <a:custGeom>
@@ -8653,13 +8653,13 @@
       </p:sp>
       <p:sp>
         <p:nvSpPr>
-          <p:cNvPr id="230" name="TextBox 229"/>
+          <p:cNvPr id="578" name="TextBox 577"/>
           <p:cNvSpPr txBox="1"/>
           <p:nvPr/>
         </p:nvSpPr>
         <p:spPr>
           <a:xfrm>
-            <a:off x="2767676" y="8877020"/>
+            <a:off x="2767676" y="9302989"/>
             <a:ext cx="1022598" cy="369332"/>
           </a:xfrm>
           <a:prstGeom prst="rect">
@@ -8691,13 +8691,13 @@
       </p:sp>
       <p:sp>
         <p:nvSpPr>
-          <p:cNvPr id="242" name="TextBox 241"/>
+          <p:cNvPr id="579" name="TextBox 578"/>
           <p:cNvSpPr txBox="1"/>
           <p:nvPr/>
         </p:nvSpPr>
         <p:spPr>
           <a:xfrm>
-            <a:off x="735921" y="8877020"/>
+            <a:off x="735921" y="9302989"/>
             <a:ext cx="843475" cy="369332"/>
           </a:xfrm>
           <a:prstGeom prst="rect">
@@ -8729,13 +8729,13 @@
       </p:sp>
       <p:sp>
         <p:nvSpPr>
-          <p:cNvPr id="269" name="Freeform 268"/>
+          <p:cNvPr id="580" name="Freeform 579"/>
           <p:cNvSpPr/>
           <p:nvPr/>
         </p:nvSpPr>
         <p:spPr>
           <a:xfrm>
-            <a:off x="4771810" y="8392229"/>
+            <a:off x="4771810" y="8818198"/>
             <a:ext cx="777265" cy="591011"/>
           </a:xfrm>
           <a:custGeom>
@@ -9320,14 +9320,16 @@
       </p:sp>
       <p:cxnSp>
         <p:nvCxnSpPr>
-          <p:cNvPr id="20" name="Straight Arrow Connector 19"/>
-          <p:cNvCxnSpPr/>
+          <p:cNvPr id="581" name="Straight Arrow Connector 580"/>
+          <p:cNvCxnSpPr>
+            <a:cxnSpLocks noChangeAspect="1"/>
+          </p:cNvCxnSpPr>
           <p:nvPr/>
         </p:nvCxnSpPr>
         <p:spPr>
           <a:xfrm>
-            <a:off x="3004159" y="6010660"/>
-            <a:ext cx="0" cy="180000"/>
+            <a:off x="3511051" y="6163795"/>
+            <a:ext cx="0" cy="360000"/>
           </a:xfrm>
           <a:prstGeom prst="straightConnector1">
             <a:avLst/>
@@ -9338,7 +9340,7 @@
                 <a:lumMod val="50000"/>
               </a:schemeClr>
             </a:solidFill>
-            <a:tailEnd type="arrow" w="sm" len="sm"/>
+            <a:tailEnd type="arrow" w="lg" len="lg"/>
           </a:ln>
         </p:spPr>
         <p:style>
@@ -9358,14 +9360,16 @@
       </p:cxnSp>
       <p:cxnSp>
         <p:nvCxnSpPr>
-          <p:cNvPr id="270" name="Straight Arrow Connector 269"/>
-          <p:cNvCxnSpPr/>
+          <p:cNvPr id="582" name="Straight Arrow Connector 581"/>
+          <p:cNvCxnSpPr>
+            <a:cxnSpLocks noChangeAspect="1"/>
+          </p:cNvCxnSpPr>
           <p:nvPr/>
         </p:nvCxnSpPr>
         <p:spPr>
           <a:xfrm>
-            <a:off x="3807629" y="5484124"/>
-            <a:ext cx="0" cy="180000"/>
+            <a:off x="4536729" y="5477207"/>
+            <a:ext cx="0" cy="360000"/>
           </a:xfrm>
           <a:prstGeom prst="straightConnector1">
             <a:avLst/>
@@ -9376,7 +9380,7 @@
                 <a:lumMod val="50000"/>
               </a:schemeClr>
             </a:solidFill>
-            <a:tailEnd type="arrow" w="sm" len="sm"/>
+            <a:tailEnd type="arrow" w="lg" len="lg"/>
           </a:ln>
         </p:spPr>
         <p:style>
@@ -9396,14 +9400,16 @@
       </p:cxnSp>
       <p:cxnSp>
         <p:nvCxnSpPr>
-          <p:cNvPr id="271" name="Straight Arrow Connector 270"/>
-          <p:cNvCxnSpPr/>
+          <p:cNvPr id="583" name="Straight Arrow Connector 582"/>
+          <p:cNvCxnSpPr>
+            <a:cxnSpLocks noChangeAspect="1"/>
+          </p:cNvCxnSpPr>
           <p:nvPr/>
         </p:nvCxnSpPr>
         <p:spPr>
           <a:xfrm>
-            <a:off x="4337807" y="4750920"/>
-            <a:ext cx="0" cy="180000"/>
+            <a:off x="5274921" y="4483129"/>
+            <a:ext cx="0" cy="360000"/>
           </a:xfrm>
           <a:prstGeom prst="straightConnector1">
             <a:avLst/>
@@ -9414,7 +9420,7 @@
                 <a:lumMod val="50000"/>
               </a:schemeClr>
             </a:solidFill>
-            <a:tailEnd type="arrow" w="sm" len="sm"/>
+            <a:tailEnd type="arrow" w="lg" len="lg"/>
           </a:ln>
         </p:spPr>
         <p:style>
@@ -9434,14 +9440,14 @@
       </p:cxnSp>
       <p:cxnSp>
         <p:nvCxnSpPr>
-          <p:cNvPr id="272" name="Straight Arrow Connector 271"/>
+          <p:cNvPr id="584" name="Straight Arrow Connector 583"/>
           <p:cNvCxnSpPr/>
           <p:nvPr/>
         </p:nvCxnSpPr>
         <p:spPr>
           <a:xfrm>
-            <a:off x="2965498" y="10927456"/>
-            <a:ext cx="0" cy="180000"/>
+            <a:off x="3446386" y="11794193"/>
+            <a:ext cx="0" cy="360000"/>
           </a:xfrm>
           <a:prstGeom prst="straightConnector1">
             <a:avLst/>
@@ -9452,7 +9458,7 @@
                 <a:lumMod val="50000"/>
               </a:schemeClr>
             </a:solidFill>
-            <a:tailEnd type="arrow" w="sm" len="sm"/>
+            <a:tailEnd type="arrow" w="lg" len="lg"/>
           </a:ln>
         </p:spPr>
         <p:style>
@@ -9472,14 +9478,14 @@
       </p:cxnSp>
       <p:cxnSp>
         <p:nvCxnSpPr>
-          <p:cNvPr id="273" name="Straight Arrow Connector 272"/>
+          <p:cNvPr id="585" name="Straight Arrow Connector 584"/>
           <p:cNvCxnSpPr/>
           <p:nvPr/>
         </p:nvCxnSpPr>
         <p:spPr>
           <a:xfrm>
-            <a:off x="3726031" y="9878385"/>
-            <a:ext cx="0" cy="180000"/>
+            <a:off x="4479177" y="10390533"/>
+            <a:ext cx="0" cy="360000"/>
           </a:xfrm>
           <a:prstGeom prst="straightConnector1">
             <a:avLst/>
@@ -9490,7 +9496,7 @@
                 <a:lumMod val="50000"/>
               </a:schemeClr>
             </a:solidFill>
-            <a:tailEnd type="arrow" w="sm" len="sm"/>
+            <a:tailEnd type="arrow" w="lg" len="lg"/>
           </a:ln>
         </p:spPr>
         <p:style>
@@ -9510,14 +9516,14 @@
       </p:cxnSp>
       <p:cxnSp>
         <p:nvCxnSpPr>
-          <p:cNvPr id="274" name="Straight Arrow Connector 273"/>
+          <p:cNvPr id="586" name="Straight Arrow Connector 585"/>
           <p:cNvCxnSpPr/>
           <p:nvPr/>
         </p:nvCxnSpPr>
         <p:spPr>
           <a:xfrm>
-            <a:off x="4077195" y="10837456"/>
-            <a:ext cx="0" cy="180000"/>
+            <a:off x="4896619" y="11641489"/>
+            <a:ext cx="0" cy="360000"/>
           </a:xfrm>
           <a:prstGeom prst="straightConnector1">
             <a:avLst/>
@@ -9528,7 +9534,7 @@
                 <a:lumMod val="50000"/>
               </a:schemeClr>
             </a:solidFill>
-            <a:tailEnd type="arrow" w="sm" len="sm"/>
+            <a:tailEnd type="arrow" w="lg" len="lg"/>
           </a:ln>
         </p:spPr>
         <p:style>
